--- a/images/frontfig-cs333.pptx
+++ b/images/frontfig-cs333.pptx
@@ -243,7 +243,7 @@
           <a:p>
             <a:fld id="{D7D910A4-4A7E-A64C-B749-0494260199A0}" type="datetimeFigureOut">
               <a:rPr lang="en-US" smtClean="0"/>
-              <a:t>2/26/18</a:t>
+              <a:t>3/25/18</a:t>
             </a:fld>
             <a:endParaRPr lang="en-US"/>
           </a:p>
@@ -413,7 +413,7 @@
           <a:p>
             <a:fld id="{D7D910A4-4A7E-A64C-B749-0494260199A0}" type="datetimeFigureOut">
               <a:rPr lang="en-US" smtClean="0"/>
-              <a:t>2/26/18</a:t>
+              <a:t>3/25/18</a:t>
             </a:fld>
             <a:endParaRPr lang="en-US"/>
           </a:p>
@@ -593,7 +593,7 @@
           <a:p>
             <a:fld id="{D7D910A4-4A7E-A64C-B749-0494260199A0}" type="datetimeFigureOut">
               <a:rPr lang="en-US" smtClean="0"/>
-              <a:t>2/26/18</a:t>
+              <a:t>3/25/18</a:t>
             </a:fld>
             <a:endParaRPr lang="en-US"/>
           </a:p>
@@ -763,7 +763,7 @@
           <a:p>
             <a:fld id="{D7D910A4-4A7E-A64C-B749-0494260199A0}" type="datetimeFigureOut">
               <a:rPr lang="en-US" smtClean="0"/>
-              <a:t>2/26/18</a:t>
+              <a:t>3/25/18</a:t>
             </a:fld>
             <a:endParaRPr lang="en-US"/>
           </a:p>
@@ -1009,7 +1009,7 @@
           <a:p>
             <a:fld id="{D7D910A4-4A7E-A64C-B749-0494260199A0}" type="datetimeFigureOut">
               <a:rPr lang="en-US" smtClean="0"/>
-              <a:t>2/26/18</a:t>
+              <a:t>3/25/18</a:t>
             </a:fld>
             <a:endParaRPr lang="en-US"/>
           </a:p>
@@ -1241,7 +1241,7 @@
           <a:p>
             <a:fld id="{D7D910A4-4A7E-A64C-B749-0494260199A0}" type="datetimeFigureOut">
               <a:rPr lang="en-US" smtClean="0"/>
-              <a:t>2/26/18</a:t>
+              <a:t>3/25/18</a:t>
             </a:fld>
             <a:endParaRPr lang="en-US"/>
           </a:p>
@@ -1608,7 +1608,7 @@
           <a:p>
             <a:fld id="{D7D910A4-4A7E-A64C-B749-0494260199A0}" type="datetimeFigureOut">
               <a:rPr lang="en-US" smtClean="0"/>
-              <a:t>2/26/18</a:t>
+              <a:t>3/25/18</a:t>
             </a:fld>
             <a:endParaRPr lang="en-US"/>
           </a:p>
@@ -1726,7 +1726,7 @@
           <a:p>
             <a:fld id="{D7D910A4-4A7E-A64C-B749-0494260199A0}" type="datetimeFigureOut">
               <a:rPr lang="en-US" smtClean="0"/>
-              <a:t>2/26/18</a:t>
+              <a:t>3/25/18</a:t>
             </a:fld>
             <a:endParaRPr lang="en-US"/>
           </a:p>
@@ -1821,7 +1821,7 @@
           <a:p>
             <a:fld id="{D7D910A4-4A7E-A64C-B749-0494260199A0}" type="datetimeFigureOut">
               <a:rPr lang="en-US" smtClean="0"/>
-              <a:t>2/26/18</a:t>
+              <a:t>3/25/18</a:t>
             </a:fld>
             <a:endParaRPr lang="en-US"/>
           </a:p>
@@ -2098,7 +2098,7 @@
           <a:p>
             <a:fld id="{D7D910A4-4A7E-A64C-B749-0494260199A0}" type="datetimeFigureOut">
               <a:rPr lang="en-US" smtClean="0"/>
-              <a:t>2/26/18</a:t>
+              <a:t>3/25/18</a:t>
             </a:fld>
             <a:endParaRPr lang="en-US"/>
           </a:p>
@@ -2351,7 +2351,7 @@
           <a:p>
             <a:fld id="{D7D910A4-4A7E-A64C-B749-0494260199A0}" type="datetimeFigureOut">
               <a:rPr lang="en-US" smtClean="0"/>
-              <a:t>2/26/18</a:t>
+              <a:t>3/25/18</a:t>
             </a:fld>
             <a:endParaRPr lang="en-US"/>
           </a:p>
@@ -2564,7 +2564,7 @@
           <a:p>
             <a:fld id="{D7D910A4-4A7E-A64C-B749-0494260199A0}" type="datetimeFigureOut">
               <a:rPr lang="en-US" smtClean="0"/>
-              <a:t>2/26/18</a:t>
+              <a:t>3/25/18</a:t>
             </a:fld>
             <a:endParaRPr lang="en-US"/>
           </a:p>
@@ -4497,7 +4497,53 @@
                 <a:ea typeface="Palatino" charset="0"/>
                 <a:cs typeface="Palatino" charset="0"/>
               </a:rPr>
-              <a:t>Security</a:t>
+              <a:t>Security </a:t>
+            </a:r>
+          </a:p>
+          <a:p>
+            <a:pPr algn="ctr" defTabSz="622300">
+              <a:lnSpc>
+                <a:spcPct val="90000"/>
+              </a:lnSpc>
+              <a:spcBef>
+                <a:spcPct val="0"/>
+              </a:spcBef>
+              <a:spcAft>
+                <a:spcPct val="35000"/>
+              </a:spcAft>
+            </a:pPr>
+            <a:r>
+              <a:rPr lang="en-US" sz="1500" b="1" smtClean="0">
+                <a:solidFill>
+                  <a:schemeClr val="tx1"/>
+                </a:solidFill>
+                <a:latin typeface="Palatino" charset="0"/>
+                <a:ea typeface="Palatino" charset="0"/>
+                <a:cs typeface="Palatino" charset="0"/>
+              </a:rPr>
+              <a:t>&amp;</a:t>
+            </a:r>
+            <a:r>
+              <a:rPr lang="en-US" sz="1500" b="1" dirty="0">
+                <a:solidFill>
+                  <a:schemeClr val="tx1"/>
+                </a:solidFill>
+                <a:latin typeface="Palatino" charset="0"/>
+                <a:ea typeface="Palatino" charset="0"/>
+                <a:cs typeface="Palatino" charset="0"/>
+              </a:rPr>
+              <a:t> </a:t>
+            </a:r>
+            <a:r>
+              <a:rPr lang="en-US" sz="1500" b="1" smtClean="0">
+                <a:solidFill>
+                  <a:schemeClr val="tx1"/>
+                </a:solidFill>
+                <a:latin typeface="Palatino" charset="0"/>
+                <a:ea typeface="Palatino" charset="0"/>
+                <a:cs typeface="Palatino" charset="0"/>
+              </a:rPr>
+              <a:t>Privacy</a:t>
             </a:r>
             <a:endParaRPr lang="en-US" sz="1500" b="1" dirty="0">
               <a:solidFill>
